--- a/Encrypting and Decrypting Data.pptx
+++ b/Encrypting and Decrypting Data.pptx
@@ -16,6 +16,9 @@
     <p:sldId id="264" r:id="rId10"/>
     <p:sldId id="265" r:id="rId11"/>
     <p:sldId id="266" r:id="rId12"/>
+    <p:sldId id="267" r:id="rId13"/>
+    <p:sldId id="268" r:id="rId14"/>
+    <p:sldId id="269" r:id="rId15"/>
   </p:sldIdLst>
   <p:sldSz cx="12192000" cy="6858000"/>
   <p:notesSz cx="6858000" cy="9144000"/>
@@ -116,7 +119,7 @@
   </p:defaultTextStyle>
   <p:extLst>
     <p:ext uri="{EFAFB233-063F-42B5-8137-9DF3F51BA10A}">
-      <p15:sldGuideLst xmlns:p15="http://schemas.microsoft.com/office/powerpoint/2012/main"/>
+      <p15:sldGuideLst xmlns:p15="http://schemas.microsoft.com/office/powerpoint/2012/main" xmlns=""/>
     </p:ext>
   </p:extLst>
 </p:presentation>
@@ -308,6 +311,7 @@
           <a:p>
             <a:fld id="{9183C534-491E-4F3E-A378-4D2B8A95A943}" type="datetimeFigureOut">
               <a:rPr lang="en-US" smtClean="0"/>
+              <a:pPr/>
               <a:t>6/13/2017</a:t>
             </a:fld>
             <a:endParaRPr lang="en-US"/>
@@ -350,6 +354,7 @@
           <a:p>
             <a:fld id="{DEEAEA44-5C4B-43CF-B5E9-7D39885120F0}" type="slidenum">
               <a:rPr lang="en-US" smtClean="0"/>
+              <a:pPr/>
               <a:t>‹#›</a:t>
             </a:fld>
             <a:endParaRPr lang="en-US"/>
@@ -359,7 +364,7 @@
     </p:spTree>
     <p:extLst>
       <p:ext uri="{BB962C8B-B14F-4D97-AF65-F5344CB8AC3E}">
-        <p14:creationId xmlns:p14="http://schemas.microsoft.com/office/powerpoint/2010/main" val="1014539856"/>
+        <p14:creationId xmlns:p14="http://schemas.microsoft.com/office/powerpoint/2010/main" xmlns="" val="1014539856"/>
       </p:ext>
     </p:extLst>
   </p:cSld>
@@ -583,6 +588,7 @@
           <a:p>
             <a:fld id="{9183C534-491E-4F3E-A378-4D2B8A95A943}" type="datetimeFigureOut">
               <a:rPr lang="en-US" smtClean="0"/>
+              <a:pPr/>
               <a:t>6/13/2017</a:t>
             </a:fld>
             <a:endParaRPr lang="en-US"/>
@@ -625,6 +631,7 @@
           <a:p>
             <a:fld id="{DEEAEA44-5C4B-43CF-B5E9-7D39885120F0}" type="slidenum">
               <a:rPr lang="en-US" smtClean="0"/>
+              <a:pPr/>
               <a:t>‹#›</a:t>
             </a:fld>
             <a:endParaRPr lang="en-US"/>
@@ -634,7 +641,7 @@
     </p:spTree>
     <p:extLst>
       <p:ext uri="{BB962C8B-B14F-4D97-AF65-F5344CB8AC3E}">
-        <p14:creationId xmlns:p14="http://schemas.microsoft.com/office/powerpoint/2010/main" val="1617590716"/>
+        <p14:creationId xmlns:p14="http://schemas.microsoft.com/office/powerpoint/2010/main" xmlns="" val="1617590716"/>
       </p:ext>
     </p:extLst>
   </p:cSld>
@@ -777,6 +784,7 @@
           <a:p>
             <a:fld id="{9183C534-491E-4F3E-A378-4D2B8A95A943}" type="datetimeFigureOut">
               <a:rPr lang="en-US" smtClean="0"/>
+              <a:pPr/>
               <a:t>6/13/2017</a:t>
             </a:fld>
             <a:endParaRPr lang="en-US"/>
@@ -819,6 +827,7 @@
           <a:p>
             <a:fld id="{DEEAEA44-5C4B-43CF-B5E9-7D39885120F0}" type="slidenum">
               <a:rPr lang="en-US" smtClean="0"/>
+              <a:pPr/>
               <a:t>‹#›</a:t>
             </a:fld>
             <a:endParaRPr lang="en-US"/>
@@ -828,7 +837,7 @@
     </p:spTree>
     <p:extLst>
       <p:ext uri="{BB962C8B-B14F-4D97-AF65-F5344CB8AC3E}">
-        <p14:creationId xmlns:p14="http://schemas.microsoft.com/office/powerpoint/2010/main" val="1794939910"/>
+        <p14:creationId xmlns:p14="http://schemas.microsoft.com/office/powerpoint/2010/main" xmlns="" val="1794939910"/>
       </p:ext>
     </p:extLst>
   </p:cSld>
@@ -1050,6 +1059,7 @@
           <a:p>
             <a:fld id="{9183C534-491E-4F3E-A378-4D2B8A95A943}" type="datetimeFigureOut">
               <a:rPr lang="en-US" smtClean="0"/>
+              <a:pPr/>
               <a:t>6/13/2017</a:t>
             </a:fld>
             <a:endParaRPr lang="en-US"/>
@@ -1092,6 +1102,7 @@
           <a:p>
             <a:fld id="{DEEAEA44-5C4B-43CF-B5E9-7D39885120F0}" type="slidenum">
               <a:rPr lang="en-US" smtClean="0"/>
+              <a:pPr/>
               <a:t>‹#›</a:t>
             </a:fld>
             <a:endParaRPr lang="en-US"/>
@@ -1195,7 +1206,7 @@
     </p:spTree>
     <p:extLst>
       <p:ext uri="{BB962C8B-B14F-4D97-AF65-F5344CB8AC3E}">
-        <p14:creationId xmlns:p14="http://schemas.microsoft.com/office/powerpoint/2010/main" val="189809369"/>
+        <p14:creationId xmlns:p14="http://schemas.microsoft.com/office/powerpoint/2010/main" xmlns="" val="189809369"/>
       </p:ext>
     </p:extLst>
   </p:cSld>
@@ -1391,6 +1402,7 @@
           <a:p>
             <a:fld id="{9183C534-491E-4F3E-A378-4D2B8A95A943}" type="datetimeFigureOut">
               <a:rPr lang="en-US" smtClean="0"/>
+              <a:pPr/>
               <a:t>6/13/2017</a:t>
             </a:fld>
             <a:endParaRPr lang="en-US"/>
@@ -1433,6 +1445,7 @@
           <a:p>
             <a:fld id="{DEEAEA44-5C4B-43CF-B5E9-7D39885120F0}" type="slidenum">
               <a:rPr lang="en-US" smtClean="0"/>
+              <a:pPr/>
               <a:t>‹#›</a:t>
             </a:fld>
             <a:endParaRPr lang="en-US"/>
@@ -1442,7 +1455,7 @@
     </p:spTree>
     <p:extLst>
       <p:ext uri="{BB962C8B-B14F-4D97-AF65-F5344CB8AC3E}">
-        <p14:creationId xmlns:p14="http://schemas.microsoft.com/office/powerpoint/2010/main" val="675935473"/>
+        <p14:creationId xmlns:p14="http://schemas.microsoft.com/office/powerpoint/2010/main" xmlns="" val="675935473"/>
       </p:ext>
     </p:extLst>
   </p:cSld>
@@ -2014,6 +2027,7 @@
           <a:p>
             <a:fld id="{9183C534-491E-4F3E-A378-4D2B8A95A943}" type="datetimeFigureOut">
               <a:rPr lang="en-US" smtClean="0"/>
+              <a:pPr/>
               <a:t>6/13/2017</a:t>
             </a:fld>
             <a:endParaRPr lang="en-US"/>
@@ -2056,6 +2070,7 @@
           <a:p>
             <a:fld id="{DEEAEA44-5C4B-43CF-B5E9-7D39885120F0}" type="slidenum">
               <a:rPr lang="en-US" smtClean="0"/>
+              <a:pPr/>
               <a:t>‹#›</a:t>
             </a:fld>
             <a:endParaRPr lang="en-US"/>
@@ -2065,7 +2080,7 @@
     </p:spTree>
     <p:extLst>
       <p:ext uri="{BB962C8B-B14F-4D97-AF65-F5344CB8AC3E}">
-        <p14:creationId xmlns:p14="http://schemas.microsoft.com/office/powerpoint/2010/main" val="794610567"/>
+        <p14:creationId xmlns:p14="http://schemas.microsoft.com/office/powerpoint/2010/main" xmlns="" val="794610567"/>
       </p:ext>
     </p:extLst>
   </p:cSld>
@@ -2874,6 +2889,7 @@
           <a:p>
             <a:fld id="{9183C534-491E-4F3E-A378-4D2B8A95A943}" type="datetimeFigureOut">
               <a:rPr lang="en-US" smtClean="0"/>
+              <a:pPr/>
               <a:t>6/13/2017</a:t>
             </a:fld>
             <a:endParaRPr lang="en-US"/>
@@ -2916,6 +2932,7 @@
           <a:p>
             <a:fld id="{DEEAEA44-5C4B-43CF-B5E9-7D39885120F0}" type="slidenum">
               <a:rPr lang="en-US" smtClean="0"/>
+              <a:pPr/>
               <a:t>‹#›</a:t>
             </a:fld>
             <a:endParaRPr lang="en-US"/>
@@ -2925,7 +2942,7 @@
     </p:spTree>
     <p:extLst>
       <p:ext uri="{BB962C8B-B14F-4D97-AF65-F5344CB8AC3E}">
-        <p14:creationId xmlns:p14="http://schemas.microsoft.com/office/powerpoint/2010/main" val="692522080"/>
+        <p14:creationId xmlns:p14="http://schemas.microsoft.com/office/powerpoint/2010/main" xmlns="" val="692522080"/>
       </p:ext>
     </p:extLst>
   </p:cSld>
@@ -3044,6 +3061,7 @@
           <a:p>
             <a:fld id="{9183C534-491E-4F3E-A378-4D2B8A95A943}" type="datetimeFigureOut">
               <a:rPr lang="en-US" smtClean="0"/>
+              <a:pPr/>
               <a:t>6/13/2017</a:t>
             </a:fld>
             <a:endParaRPr lang="en-US"/>
@@ -3086,6 +3104,7 @@
           <a:p>
             <a:fld id="{DEEAEA44-5C4B-43CF-B5E9-7D39885120F0}" type="slidenum">
               <a:rPr lang="en-US" smtClean="0"/>
+              <a:pPr/>
               <a:t>‹#›</a:t>
             </a:fld>
             <a:endParaRPr lang="en-US"/>
@@ -3095,7 +3114,7 @@
     </p:spTree>
     <p:extLst>
       <p:ext uri="{BB962C8B-B14F-4D97-AF65-F5344CB8AC3E}">
-        <p14:creationId xmlns:p14="http://schemas.microsoft.com/office/powerpoint/2010/main" val="3490285554"/>
+        <p14:creationId xmlns:p14="http://schemas.microsoft.com/office/powerpoint/2010/main" xmlns="" val="3490285554"/>
       </p:ext>
     </p:extLst>
   </p:cSld>
@@ -3224,6 +3243,7 @@
           <a:p>
             <a:fld id="{9183C534-491E-4F3E-A378-4D2B8A95A943}" type="datetimeFigureOut">
               <a:rPr lang="en-US" smtClean="0"/>
+              <a:pPr/>
               <a:t>6/13/2017</a:t>
             </a:fld>
             <a:endParaRPr lang="en-US"/>
@@ -3266,6 +3286,7 @@
           <a:p>
             <a:fld id="{DEEAEA44-5C4B-43CF-B5E9-7D39885120F0}" type="slidenum">
               <a:rPr lang="en-US" smtClean="0"/>
+              <a:pPr/>
               <a:t>‹#›</a:t>
             </a:fld>
             <a:endParaRPr lang="en-US"/>
@@ -3275,7 +3296,7 @@
     </p:spTree>
     <p:extLst>
       <p:ext uri="{BB962C8B-B14F-4D97-AF65-F5344CB8AC3E}">
-        <p14:creationId xmlns:p14="http://schemas.microsoft.com/office/powerpoint/2010/main" val="3166762296"/>
+        <p14:creationId xmlns:p14="http://schemas.microsoft.com/office/powerpoint/2010/main" xmlns="" val="3166762296"/>
       </p:ext>
     </p:extLst>
   </p:cSld>
@@ -3394,6 +3415,7 @@
           <a:p>
             <a:fld id="{9183C534-491E-4F3E-A378-4D2B8A95A943}" type="datetimeFigureOut">
               <a:rPr lang="en-US" smtClean="0"/>
+              <a:pPr/>
               <a:t>6/13/2017</a:t>
             </a:fld>
             <a:endParaRPr lang="en-US"/>
@@ -3436,6 +3458,7 @@
           <a:p>
             <a:fld id="{DEEAEA44-5C4B-43CF-B5E9-7D39885120F0}" type="slidenum">
               <a:rPr lang="en-US" smtClean="0"/>
+              <a:pPr/>
               <a:t>‹#›</a:t>
             </a:fld>
             <a:endParaRPr lang="en-US"/>
@@ -3445,7 +3468,7 @@
     </p:spTree>
     <p:extLst>
       <p:ext uri="{BB962C8B-B14F-4D97-AF65-F5344CB8AC3E}">
-        <p14:creationId xmlns:p14="http://schemas.microsoft.com/office/powerpoint/2010/main" val="2882093013"/>
+        <p14:creationId xmlns:p14="http://schemas.microsoft.com/office/powerpoint/2010/main" xmlns="" val="2882093013"/>
       </p:ext>
     </p:extLst>
   </p:cSld>
@@ -3641,6 +3664,7 @@
           <a:p>
             <a:fld id="{9183C534-491E-4F3E-A378-4D2B8A95A943}" type="datetimeFigureOut">
               <a:rPr lang="en-US" smtClean="0"/>
+              <a:pPr/>
               <a:t>6/13/2017</a:t>
             </a:fld>
             <a:endParaRPr lang="en-US"/>
@@ -3683,6 +3707,7 @@
           <a:p>
             <a:fld id="{DEEAEA44-5C4B-43CF-B5E9-7D39885120F0}" type="slidenum">
               <a:rPr lang="en-US" smtClean="0"/>
+              <a:pPr/>
               <a:t>‹#›</a:t>
             </a:fld>
             <a:endParaRPr lang="en-US"/>
@@ -3692,7 +3717,7 @@
     </p:spTree>
     <p:extLst>
       <p:ext uri="{BB962C8B-B14F-4D97-AF65-F5344CB8AC3E}">
-        <p14:creationId xmlns:p14="http://schemas.microsoft.com/office/powerpoint/2010/main" val="2067010409"/>
+        <p14:creationId xmlns:p14="http://schemas.microsoft.com/office/powerpoint/2010/main" xmlns="" val="2067010409"/>
       </p:ext>
     </p:extLst>
   </p:cSld>
@@ -3933,6 +3958,7 @@
           <a:p>
             <a:fld id="{9183C534-491E-4F3E-A378-4D2B8A95A943}" type="datetimeFigureOut">
               <a:rPr lang="en-US" smtClean="0"/>
+              <a:pPr/>
               <a:t>6/13/2017</a:t>
             </a:fld>
             <a:endParaRPr lang="en-US"/>
@@ -3975,6 +4001,7 @@
           <a:p>
             <a:fld id="{DEEAEA44-5C4B-43CF-B5E9-7D39885120F0}" type="slidenum">
               <a:rPr lang="en-US" smtClean="0"/>
+              <a:pPr/>
               <a:t>‹#›</a:t>
             </a:fld>
             <a:endParaRPr lang="en-US"/>
@@ -3984,7 +4011,7 @@
     </p:spTree>
     <p:extLst>
       <p:ext uri="{BB962C8B-B14F-4D97-AF65-F5344CB8AC3E}">
-        <p14:creationId xmlns:p14="http://schemas.microsoft.com/office/powerpoint/2010/main" val="3711852600"/>
+        <p14:creationId xmlns:p14="http://schemas.microsoft.com/office/powerpoint/2010/main" xmlns="" val="3711852600"/>
       </p:ext>
     </p:extLst>
   </p:cSld>
@@ -4377,6 +4404,7 @@
           <a:p>
             <a:fld id="{9183C534-491E-4F3E-A378-4D2B8A95A943}" type="datetimeFigureOut">
               <a:rPr lang="en-US" smtClean="0"/>
+              <a:pPr/>
               <a:t>6/13/2017</a:t>
             </a:fld>
             <a:endParaRPr lang="en-US"/>
@@ -4419,6 +4447,7 @@
           <a:p>
             <a:fld id="{DEEAEA44-5C4B-43CF-B5E9-7D39885120F0}" type="slidenum">
               <a:rPr lang="en-US" smtClean="0"/>
+              <a:pPr/>
               <a:t>‹#›</a:t>
             </a:fld>
             <a:endParaRPr lang="en-US"/>
@@ -4428,7 +4457,7 @@
     </p:spTree>
     <p:extLst>
       <p:ext uri="{BB962C8B-B14F-4D97-AF65-F5344CB8AC3E}">
-        <p14:creationId xmlns:p14="http://schemas.microsoft.com/office/powerpoint/2010/main" val="3109627178"/>
+        <p14:creationId xmlns:p14="http://schemas.microsoft.com/office/powerpoint/2010/main" xmlns="" val="3109627178"/>
       </p:ext>
     </p:extLst>
   </p:cSld>
@@ -4495,6 +4524,7 @@
           <a:p>
             <a:fld id="{9183C534-491E-4F3E-A378-4D2B8A95A943}" type="datetimeFigureOut">
               <a:rPr lang="en-US" smtClean="0"/>
+              <a:pPr/>
               <a:t>6/13/2017</a:t>
             </a:fld>
             <a:endParaRPr lang="en-US"/>
@@ -4537,6 +4567,7 @@
           <a:p>
             <a:fld id="{DEEAEA44-5C4B-43CF-B5E9-7D39885120F0}" type="slidenum">
               <a:rPr lang="en-US" smtClean="0"/>
+              <a:pPr/>
               <a:t>‹#›</a:t>
             </a:fld>
             <a:endParaRPr lang="en-US"/>
@@ -4546,7 +4577,7 @@
     </p:spTree>
     <p:extLst>
       <p:ext uri="{BB962C8B-B14F-4D97-AF65-F5344CB8AC3E}">
-        <p14:creationId xmlns:p14="http://schemas.microsoft.com/office/powerpoint/2010/main" val="3590284528"/>
+        <p14:creationId xmlns:p14="http://schemas.microsoft.com/office/powerpoint/2010/main" xmlns="" val="3590284528"/>
       </p:ext>
     </p:extLst>
   </p:cSld>
@@ -4590,6 +4621,7 @@
           <a:p>
             <a:fld id="{9183C534-491E-4F3E-A378-4D2B8A95A943}" type="datetimeFigureOut">
               <a:rPr lang="en-US" smtClean="0"/>
+              <a:pPr/>
               <a:t>6/13/2017</a:t>
             </a:fld>
             <a:endParaRPr lang="en-US"/>
@@ -4632,6 +4664,7 @@
           <a:p>
             <a:fld id="{DEEAEA44-5C4B-43CF-B5E9-7D39885120F0}" type="slidenum">
               <a:rPr lang="en-US" smtClean="0"/>
+              <a:pPr/>
               <a:t>‹#›</a:t>
             </a:fld>
             <a:endParaRPr lang="en-US"/>
@@ -4641,7 +4674,7 @@
     </p:spTree>
     <p:extLst>
       <p:ext uri="{BB962C8B-B14F-4D97-AF65-F5344CB8AC3E}">
-        <p14:creationId xmlns:p14="http://schemas.microsoft.com/office/powerpoint/2010/main" val="3759727405"/>
+        <p14:creationId xmlns:p14="http://schemas.microsoft.com/office/powerpoint/2010/main" xmlns="" val="3759727405"/>
       </p:ext>
     </p:extLst>
   </p:cSld>
@@ -4869,6 +4902,7 @@
           <a:p>
             <a:fld id="{9183C534-491E-4F3E-A378-4D2B8A95A943}" type="datetimeFigureOut">
               <a:rPr lang="en-US" smtClean="0"/>
+              <a:pPr/>
               <a:t>6/13/2017</a:t>
             </a:fld>
             <a:endParaRPr lang="en-US"/>
@@ -4911,6 +4945,7 @@
           <a:p>
             <a:fld id="{DEEAEA44-5C4B-43CF-B5E9-7D39885120F0}" type="slidenum">
               <a:rPr lang="en-US" smtClean="0"/>
+              <a:pPr/>
               <a:t>‹#›</a:t>
             </a:fld>
             <a:endParaRPr lang="en-US"/>
@@ -4920,7 +4955,7 @@
     </p:spTree>
     <p:extLst>
       <p:ext uri="{BB962C8B-B14F-4D97-AF65-F5344CB8AC3E}">
-        <p14:creationId xmlns:p14="http://schemas.microsoft.com/office/powerpoint/2010/main" val="523247237"/>
+        <p14:creationId xmlns:p14="http://schemas.microsoft.com/office/powerpoint/2010/main" xmlns="" val="523247237"/>
       </p:ext>
     </p:extLst>
   </p:cSld>
@@ -5144,6 +5179,7 @@
           <a:p>
             <a:fld id="{9183C534-491E-4F3E-A378-4D2B8A95A943}" type="datetimeFigureOut">
               <a:rPr lang="en-US" smtClean="0"/>
+              <a:pPr/>
               <a:t>6/13/2017</a:t>
             </a:fld>
             <a:endParaRPr lang="en-US"/>
@@ -5186,6 +5222,7 @@
           <a:p>
             <a:fld id="{DEEAEA44-5C4B-43CF-B5E9-7D39885120F0}" type="slidenum">
               <a:rPr lang="en-US" smtClean="0"/>
+              <a:pPr/>
               <a:t>‹#›</a:t>
             </a:fld>
             <a:endParaRPr lang="en-US"/>
@@ -5195,7 +5232,7 @@
     </p:spTree>
     <p:extLst>
       <p:ext uri="{BB962C8B-B14F-4D97-AF65-F5344CB8AC3E}">
-        <p14:creationId xmlns:p14="http://schemas.microsoft.com/office/powerpoint/2010/main" val="3665310415"/>
+        <p14:creationId xmlns:p14="http://schemas.microsoft.com/office/powerpoint/2010/main" xmlns="" val="3665310415"/>
       </p:ext>
     </p:extLst>
   </p:cSld>
@@ -5239,7 +5276,7 @@
           <a:blip r:embed="rId19">
             <a:extLst>
               <a:ext uri="{28A0092B-C50C-407E-A947-70E740481C1C}">
-                <a14:useLocalDpi xmlns:a14="http://schemas.microsoft.com/office/drawing/2010/main" val="0"/>
+                <a14:useLocalDpi xmlns:a14="http://schemas.microsoft.com/office/drawing/2010/main" xmlns="" val="0"/>
               </a:ext>
             </a:extLst>
           </a:blip>
@@ -5268,7 +5305,7 @@
           <a:blip r:embed="rId20">
             <a:extLst>
               <a:ext uri="{28A0092B-C50C-407E-A947-70E740481C1C}">
-                <a14:useLocalDpi xmlns:a14="http://schemas.microsoft.com/office/drawing/2010/main" val="0"/>
+                <a14:useLocalDpi xmlns:a14="http://schemas.microsoft.com/office/drawing/2010/main" xmlns="" val="0"/>
               </a:ext>
             </a:extLst>
           </a:blip>
@@ -5360,7 +5397,7 @@
           <a:blip r:embed="rId21">
             <a:extLst>
               <a:ext uri="{28A0092B-C50C-407E-A947-70E740481C1C}">
-                <a14:useLocalDpi xmlns:a14="http://schemas.microsoft.com/office/drawing/2010/main" val="0"/>
+                <a14:useLocalDpi xmlns:a14="http://schemas.microsoft.com/office/drawing/2010/main" xmlns="" val="0"/>
               </a:ext>
             </a:extLst>
           </a:blip>
@@ -5389,7 +5426,7 @@
           <a:blip r:embed="rId22">
             <a:extLst>
               <a:ext uri="{28A0092B-C50C-407E-A947-70E740481C1C}">
-                <a14:useLocalDpi xmlns:a14="http://schemas.microsoft.com/office/drawing/2010/main" val="0"/>
+                <a14:useLocalDpi xmlns:a14="http://schemas.microsoft.com/office/drawing/2010/main" xmlns="" val="0"/>
               </a:ext>
             </a:extLst>
           </a:blip>
@@ -5573,6 +5610,7 @@
           <a:p>
             <a:fld id="{9183C534-491E-4F3E-A378-4D2B8A95A943}" type="datetimeFigureOut">
               <a:rPr lang="en-US" smtClean="0"/>
+              <a:pPr/>
               <a:t>6/13/2017</a:t>
             </a:fld>
             <a:endParaRPr lang="en-US"/>
@@ -5652,6 +5690,7 @@
           <a:p>
             <a:fld id="{DEEAEA44-5C4B-43CF-B5E9-7D39885120F0}" type="slidenum">
               <a:rPr lang="en-US" smtClean="0"/>
+              <a:pPr/>
               <a:t>‹#›</a:t>
             </a:fld>
             <a:endParaRPr lang="en-US"/>
@@ -5661,7 +5700,7 @@
     </p:spTree>
     <p:extLst>
       <p:ext uri="{BB962C8B-B14F-4D97-AF65-F5344CB8AC3E}">
-        <p14:creationId xmlns:p14="http://schemas.microsoft.com/office/powerpoint/2010/main" val="4002076099"/>
+        <p14:creationId xmlns:p14="http://schemas.microsoft.com/office/powerpoint/2010/main" xmlns="" val="4002076099"/>
       </p:ext>
     </p:extLst>
   </p:cSld>
@@ -6153,7 +6192,7 @@
     </p:spTree>
     <p:extLst>
       <p:ext uri="{BB962C8B-B14F-4D97-AF65-F5344CB8AC3E}">
-        <p14:creationId xmlns:p14="http://schemas.microsoft.com/office/powerpoint/2010/main" val="308833184"/>
+        <p14:creationId xmlns:p14="http://schemas.microsoft.com/office/powerpoint/2010/main" xmlns="" val="308833184"/>
       </p:ext>
     </p:extLst>
   </p:cSld>
@@ -6380,7 +6419,7 @@
     </p:spTree>
     <p:extLst>
       <p:ext uri="{BB962C8B-B14F-4D97-AF65-F5344CB8AC3E}">
-        <p14:creationId xmlns:p14="http://schemas.microsoft.com/office/powerpoint/2010/main" val="1228088571"/>
+        <p14:creationId xmlns:p14="http://schemas.microsoft.com/office/powerpoint/2010/main" xmlns="" val="1228088571"/>
       </p:ext>
     </p:extLst>
   </p:cSld>
@@ -6446,18 +6485,20 @@
           </a:xfrm>
         </p:spPr>
         <p:txBody>
-          <a:bodyPr/>
+          <a:bodyPr>
+            <a:normAutofit/>
+          </a:bodyPr>
           <a:lstStyle/>
           <a:p>
             <a:pPr marL="0" indent="0">
               <a:buNone/>
             </a:pPr>
             <a:r>
-              <a:rPr lang="en-US" dirty="0"/>
+              <a:rPr lang="en-US" sz="2400" dirty="0"/>
               <a:t>The symmetric encryption classes of the .NET Framework provides the </a:t>
             </a:r>
             <a:r>
-              <a:rPr lang="en-US" b="1" dirty="0" err="1">
+              <a:rPr lang="en-US" sz="2400" b="1" dirty="0" err="1">
                 <a:solidFill>
                   <a:srgbClr val="00B0F0"/>
                 </a:solidFill>
@@ -6465,7 +6506,7 @@
               <a:t>CreateEncryptor</a:t>
             </a:r>
             <a:r>
-              <a:rPr lang="en-US" b="1" dirty="0">
+              <a:rPr lang="en-US" sz="2400" b="1" dirty="0">
                 <a:solidFill>
                   <a:srgbClr val="00B0F0"/>
                 </a:solidFill>
@@ -6473,11 +6514,11 @@
               <a:t>()</a:t>
             </a:r>
             <a:r>
-              <a:rPr lang="en-US" dirty="0"/>
+              <a:rPr lang="en-US" sz="2400" dirty="0"/>
               <a:t> method that returns an object of the </a:t>
             </a:r>
             <a:r>
-              <a:rPr lang="en-US" b="1" dirty="0" err="1">
+              <a:rPr lang="en-US" sz="2400" b="1" dirty="0" err="1">
                 <a:solidFill>
                   <a:srgbClr val="00B0F0"/>
                 </a:solidFill>
@@ -6485,7 +6526,7 @@
               <a:t>ICryptoTransform</a:t>
             </a:r>
             <a:r>
-              <a:rPr lang="en-US" dirty="0">
+              <a:rPr lang="en-US" sz="2400" dirty="0">
                 <a:solidFill>
                   <a:srgbClr val="00B0F0"/>
                 </a:solidFill>
@@ -6493,11 +6534,11 @@
               <a:t> </a:t>
             </a:r>
             <a:r>
-              <a:rPr lang="en-US" dirty="0"/>
+              <a:rPr lang="en-US" sz="2400" dirty="0"/>
               <a:t>interface. The </a:t>
             </a:r>
             <a:r>
-              <a:rPr lang="en-US" b="1" dirty="0" err="1">
+              <a:rPr lang="en-US" sz="2400" b="1" dirty="0" err="1">
                 <a:solidFill>
                   <a:srgbClr val="00B0F0"/>
                 </a:solidFill>
@@ -6505,7 +6546,7 @@
               <a:t>ICryptoTransform</a:t>
             </a:r>
             <a:r>
-              <a:rPr lang="en-US" dirty="0">
+              <a:rPr lang="en-US" sz="2400" dirty="0">
                 <a:solidFill>
                   <a:srgbClr val="00B0F0"/>
                 </a:solidFill>
@@ -6513,11 +6554,11 @@
               <a:t> </a:t>
             </a:r>
             <a:r>
-              <a:rPr lang="en-US" dirty="0"/>
+              <a:rPr lang="en-US" sz="2400" dirty="0"/>
               <a:t>object is responsible for transforming the data based on the algorithm of the encryption class. Once you have obtained an </a:t>
             </a:r>
             <a:r>
-              <a:rPr lang="en-US" b="1" dirty="0" err="1">
+              <a:rPr lang="en-US" sz="2400" b="1" dirty="0" err="1">
                 <a:solidFill>
                   <a:srgbClr val="00B0F0"/>
                 </a:solidFill>
@@ -6525,7 +6566,7 @@
               <a:t>ICryptoTransform</a:t>
             </a:r>
             <a:r>
-              <a:rPr lang="en-US" dirty="0">
+              <a:rPr lang="en-US" sz="2400" dirty="0">
                 <a:solidFill>
                   <a:srgbClr val="00B0F0"/>
                 </a:solidFill>
@@ -6533,11 +6574,11 @@
               <a:t> </a:t>
             </a:r>
             <a:r>
-              <a:rPr lang="en-US" dirty="0"/>
+              <a:rPr lang="en-US" sz="2400" dirty="0"/>
               <a:t>object, you can use the </a:t>
             </a:r>
             <a:r>
-              <a:rPr lang="en-US" b="1" dirty="0" err="1">
+              <a:rPr lang="en-US" sz="2400" b="1" dirty="0" err="1">
                 <a:solidFill>
                   <a:srgbClr val="00B0F0"/>
                 </a:solidFill>
@@ -6545,7 +6586,7 @@
               <a:t>CryptoStream</a:t>
             </a:r>
             <a:r>
-              <a:rPr lang="en-US" dirty="0">
+              <a:rPr lang="en-US" sz="2400" dirty="0">
                 <a:solidFill>
                   <a:srgbClr val="00B0F0"/>
                 </a:solidFill>
@@ -6553,11 +6594,11 @@
               <a:t> </a:t>
             </a:r>
             <a:r>
-              <a:rPr lang="en-US" dirty="0"/>
+              <a:rPr lang="en-US" sz="2400" dirty="0"/>
               <a:t>class to perform encryption. The </a:t>
             </a:r>
             <a:r>
-              <a:rPr lang="en-US" b="1" dirty="0" err="1">
+              <a:rPr lang="en-US" sz="2400" b="1" dirty="0" err="1">
                 <a:solidFill>
                   <a:srgbClr val="00B0F0"/>
                 </a:solidFill>
@@ -6565,7 +6606,7 @@
               <a:t>CryptoStream</a:t>
             </a:r>
             <a:r>
-              <a:rPr lang="en-US" dirty="0">
+              <a:rPr lang="en-US" sz="2400" dirty="0">
                 <a:solidFill>
                   <a:srgbClr val="00B0F0"/>
                 </a:solidFill>
@@ -6573,11 +6614,11 @@
               <a:t> </a:t>
             </a:r>
             <a:r>
-              <a:rPr lang="en-US" dirty="0"/>
+              <a:rPr lang="en-US" sz="2400" dirty="0"/>
               <a:t>class acts as a wrapper of a stream-derived class, such as </a:t>
             </a:r>
             <a:r>
-              <a:rPr lang="en-US" b="1" dirty="0" err="1">
+              <a:rPr lang="en-US" sz="2400" b="1" dirty="0" err="1">
                 <a:solidFill>
                   <a:srgbClr val="00B0F0"/>
                 </a:solidFill>
@@ -6585,11 +6626,11 @@
               <a:t>FileStream</a:t>
             </a:r>
             <a:r>
-              <a:rPr lang="en-US" dirty="0"/>
+              <a:rPr lang="en-US" sz="2400" dirty="0"/>
               <a:t>, </a:t>
             </a:r>
             <a:r>
-              <a:rPr lang="en-US" b="1" dirty="0" err="1">
+              <a:rPr lang="en-US" sz="2400" b="1" dirty="0" err="1">
                 <a:solidFill>
                   <a:srgbClr val="00B0F0"/>
                 </a:solidFill>
@@ -6597,11 +6638,11 @@
               <a:t>MemoryStream</a:t>
             </a:r>
             <a:r>
-              <a:rPr lang="en-US" dirty="0"/>
+              <a:rPr lang="en-US" sz="2400" dirty="0"/>
               <a:t>, and </a:t>
             </a:r>
             <a:r>
-              <a:rPr lang="en-US" b="1" dirty="0" err="1">
+              <a:rPr lang="en-US" sz="2400" b="1" dirty="0" err="1">
                 <a:solidFill>
                   <a:srgbClr val="00B0F0"/>
                 </a:solidFill>
@@ -6609,11 +6650,11 @@
               <a:t>NetworkStream</a:t>
             </a:r>
             <a:r>
-              <a:rPr lang="en-US" dirty="0"/>
+              <a:rPr lang="en-US" sz="2400" dirty="0"/>
               <a:t>. A </a:t>
             </a:r>
             <a:r>
-              <a:rPr lang="en-US" b="1" dirty="0" err="1">
+              <a:rPr lang="en-US" sz="2400" b="1" dirty="0" err="1">
                 <a:solidFill>
                   <a:srgbClr val="00B0F0"/>
                 </a:solidFill>
@@ -6621,7 +6662,7 @@
               <a:t>CryptoStream</a:t>
             </a:r>
             <a:r>
-              <a:rPr lang="en-US" dirty="0">
+              <a:rPr lang="en-US" sz="2400" dirty="0">
                 <a:solidFill>
                   <a:srgbClr val="00B0F0"/>
                 </a:solidFill>
@@ -6629,11 +6670,11 @@
               <a:t> </a:t>
             </a:r>
             <a:r>
-              <a:rPr lang="en-US" dirty="0"/>
+              <a:rPr lang="en-US" sz="2400" dirty="0"/>
               <a:t>object operates in one of the following two modes defined by the </a:t>
             </a:r>
             <a:r>
-              <a:rPr lang="en-US" b="1" dirty="0" err="1">
+              <a:rPr lang="en-US" sz="2400" b="1" dirty="0" err="1">
                 <a:solidFill>
                   <a:srgbClr val="00B0F0"/>
                 </a:solidFill>
@@ -6641,7 +6682,7 @@
               <a:t>CryptoStreamMode</a:t>
             </a:r>
             <a:r>
-              <a:rPr lang="en-US" dirty="0">
+              <a:rPr lang="en-US" sz="2400" dirty="0">
                 <a:solidFill>
                   <a:srgbClr val="00B0F0"/>
                 </a:solidFill>
@@ -6649,7 +6690,7 @@
               <a:t> </a:t>
             </a:r>
             <a:r>
-              <a:rPr lang="en-US" dirty="0"/>
+              <a:rPr lang="en-US" sz="2400" dirty="0"/>
               <a:t>enumeration: </a:t>
             </a:r>
           </a:p>
@@ -6658,9 +6699,305 @@
     </p:spTree>
     <p:extLst>
       <p:ext uri="{BB962C8B-B14F-4D97-AF65-F5344CB8AC3E}">
-        <p14:creationId xmlns:p14="http://schemas.microsoft.com/office/powerpoint/2010/main" val="3639326600"/>
+        <p14:creationId xmlns:p14="http://schemas.microsoft.com/office/powerpoint/2010/main" xmlns="" val="3639326600"/>
       </p:ext>
     </p:extLst>
+  </p:cSld>
+  <p:clrMapOvr>
+    <a:masterClrMapping/>
+  </p:clrMapOvr>
+</p:sld>
+</file>
+
+<file path=ppt/slides/slide12.xml><?xml version="1.0" encoding="utf-8"?>
+<p:sld xmlns:a="http://schemas.openxmlformats.org/drawingml/2006/main" xmlns:r="http://schemas.openxmlformats.org/officeDocument/2006/relationships" xmlns:p="http://schemas.openxmlformats.org/presentationml/2006/main">
+  <p:cSld>
+    <p:spTree>
+      <p:nvGrpSpPr>
+        <p:cNvPr id="1" name=""/>
+        <p:cNvGrpSpPr/>
+        <p:nvPr/>
+      </p:nvGrpSpPr>
+      <p:grpSpPr>
+        <a:xfrm>
+          <a:off x="0" y="0"/>
+          <a:ext cx="0" cy="0"/>
+          <a:chOff x="0" y="0"/>
+          <a:chExt cx="0" cy="0"/>
+        </a:xfrm>
+      </p:grpSpPr>
+      <p:sp>
+        <p:nvSpPr>
+          <p:cNvPr id="2" name="Title 1"/>
+          <p:cNvSpPr>
+            <a:spLocks noGrp="1"/>
+          </p:cNvSpPr>
+          <p:nvPr>
+            <p:ph type="title"/>
+          </p:nvPr>
+        </p:nvSpPr>
+        <p:spPr/>
+        <p:txBody>
+          <a:bodyPr/>
+          <a:lstStyle/>
+          <a:p>
+            <a:r>
+              <a:rPr lang="en-US" dirty="0" smtClean="0"/>
+              <a:t>	Performing	Asymmetric	Encryption</a:t>
+            </a:r>
+            <a:endParaRPr lang="en-US" dirty="0"/>
+          </a:p>
+        </p:txBody>
+      </p:sp>
+      <p:sp>
+        <p:nvSpPr>
+          <p:cNvPr id="3" name="Content Placeholder 2"/>
+          <p:cNvSpPr>
+            <a:spLocks noGrp="1"/>
+          </p:cNvSpPr>
+          <p:nvPr>
+            <p:ph idx="1"/>
+          </p:nvPr>
+        </p:nvSpPr>
+        <p:spPr/>
+        <p:txBody>
+          <a:bodyPr/>
+          <a:lstStyle/>
+          <a:p>
+            <a:pPr>
+              <a:buNone/>
+            </a:pPr>
+            <a:r>
+              <a:rPr lang="en-US" sz="3200" dirty="0" smtClean="0"/>
+              <a:t>You can use the </a:t>
+            </a:r>
+            <a:r>
+              <a:rPr lang="en-US" sz="3200" b="1" dirty="0" err="1" smtClean="0">
+                <a:solidFill>
+                  <a:srgbClr val="FF0000"/>
+                </a:solidFill>
+              </a:rPr>
+              <a:t>RSACrypto</a:t>
+            </a:r>
+            <a:r>
+              <a:rPr lang="en-US" sz="3200" dirty="0" smtClean="0"/>
+              <a:t> </a:t>
+            </a:r>
+            <a:r>
+              <a:rPr lang="en-US" sz="3200" dirty="0" err="1" smtClean="0"/>
+              <a:t>ServiceProvider</a:t>
+            </a:r>
+            <a:r>
+              <a:rPr lang="en-US" sz="3200" dirty="0" smtClean="0"/>
+              <a:t> </a:t>
+            </a:r>
+            <a:r>
+              <a:rPr lang="en-US" sz="3200" dirty="0" smtClean="0"/>
+              <a:t>class of the </a:t>
+            </a:r>
+            <a:r>
+              <a:rPr lang="en-US" sz="3200" b="1" dirty="0" err="1" smtClean="0">
+                <a:solidFill>
+                  <a:srgbClr val="FF0000"/>
+                </a:solidFill>
+              </a:rPr>
+              <a:t>System.Security.Cryptography</a:t>
+            </a:r>
+            <a:r>
+              <a:rPr lang="en-US" sz="3200" dirty="0" smtClean="0"/>
+              <a:t> namespace to perform asymmetric encryption. </a:t>
+            </a:r>
+            <a:endParaRPr lang="en-US" dirty="0"/>
+          </a:p>
+        </p:txBody>
+      </p:sp>
+    </p:spTree>
+  </p:cSld>
+  <p:clrMapOvr>
+    <a:masterClrMapping/>
+  </p:clrMapOvr>
+</p:sld>
+</file>
+
+<file path=ppt/slides/slide13.xml><?xml version="1.0" encoding="utf-8"?>
+<p:sld xmlns:a="http://schemas.openxmlformats.org/drawingml/2006/main" xmlns:r="http://schemas.openxmlformats.org/officeDocument/2006/relationships" xmlns:p="http://schemas.openxmlformats.org/presentationml/2006/main">
+  <p:cSld>
+    <p:spTree>
+      <p:nvGrpSpPr>
+        <p:cNvPr id="1" name=""/>
+        <p:cNvGrpSpPr/>
+        <p:nvPr/>
+      </p:nvGrpSpPr>
+      <p:grpSpPr>
+        <a:xfrm>
+          <a:off x="0" y="0"/>
+          <a:ext cx="0" cy="0"/>
+          <a:chOff x="0" y="0"/>
+          <a:chExt cx="0" cy="0"/>
+        </a:xfrm>
+      </p:grpSpPr>
+      <p:sp>
+        <p:nvSpPr>
+          <p:cNvPr id="2" name="Title 1"/>
+          <p:cNvSpPr>
+            <a:spLocks noGrp="1"/>
+          </p:cNvSpPr>
+          <p:nvPr>
+            <p:ph type="title"/>
+          </p:nvPr>
+        </p:nvSpPr>
+        <p:spPr/>
+        <p:txBody>
+          <a:bodyPr/>
+          <a:lstStyle/>
+          <a:p>
+            <a:r>
+              <a:rPr lang="en-US" dirty="0" smtClean="0"/>
+              <a:t>Encrypting	Data</a:t>
+            </a:r>
+            <a:endParaRPr lang="en-US" dirty="0"/>
+          </a:p>
+        </p:txBody>
+      </p:sp>
+      <p:sp>
+        <p:nvSpPr>
+          <p:cNvPr id="3" name="Content Placeholder 2"/>
+          <p:cNvSpPr>
+            <a:spLocks noGrp="1"/>
+          </p:cNvSpPr>
+          <p:nvPr>
+            <p:ph idx="1"/>
+          </p:nvPr>
+        </p:nvSpPr>
+        <p:spPr>
+          <a:xfrm>
+            <a:off x="1103312" y="2068158"/>
+            <a:ext cx="8946541" cy="4195481"/>
+          </a:xfrm>
+        </p:spPr>
+        <p:txBody>
+          <a:bodyPr/>
+          <a:lstStyle/>
+          <a:p>
+            <a:pPr>
+              <a:buNone/>
+            </a:pPr>
+            <a:r>
+              <a:rPr lang="en-US" smtClean="0"/>
+              <a:t>      To </a:t>
+            </a:r>
+            <a:r>
+              <a:rPr lang="en-US" dirty="0" smtClean="0"/>
+              <a:t>encrypt data, you need to create a new instance of the </a:t>
+            </a:r>
+            <a:r>
+              <a:rPr lang="en-US" b="1" dirty="0" err="1" smtClean="0">
+                <a:solidFill>
+                  <a:srgbClr val="FF0000"/>
+                </a:solidFill>
+              </a:rPr>
+              <a:t>RSACryptoServiceProvider</a:t>
+            </a:r>
+            <a:r>
+              <a:rPr lang="en-US" dirty="0" smtClean="0"/>
+              <a:t> class and call the </a:t>
+            </a:r>
+            <a:r>
+              <a:rPr lang="en-US" b="1" dirty="0" err="1" smtClean="0">
+                <a:solidFill>
+                  <a:srgbClr val="FF0000"/>
+                </a:solidFill>
+              </a:rPr>
+              <a:t>ImportParameters</a:t>
+            </a:r>
+            <a:r>
+              <a:rPr lang="en-US" dirty="0" smtClean="0">
+                <a:solidFill>
+                  <a:srgbClr val="FF0000"/>
+                </a:solidFill>
+              </a:rPr>
+              <a:t>()</a:t>
+            </a:r>
+            <a:r>
+              <a:rPr lang="en-US" dirty="0" smtClean="0"/>
+              <a:t> method to initialize the instance with the public key information exported to an </a:t>
+            </a:r>
+            <a:r>
+              <a:rPr lang="en-US" b="1" dirty="0" err="1" smtClean="0"/>
+              <a:t>RSAParameters</a:t>
+            </a:r>
+            <a:r>
+              <a:rPr lang="en-US" dirty="0" smtClean="0"/>
+              <a:t> structure.</a:t>
+            </a:r>
+            <a:endParaRPr lang="en-US" dirty="0"/>
+          </a:p>
+        </p:txBody>
+      </p:sp>
+    </p:spTree>
+  </p:cSld>
+  <p:clrMapOvr>
+    <a:masterClrMapping/>
+  </p:clrMapOvr>
+</p:sld>
+</file>
+
+<file path=ppt/slides/slide14.xml><?xml version="1.0" encoding="utf-8"?>
+<p:sld xmlns:a="http://schemas.openxmlformats.org/drawingml/2006/main" xmlns:r="http://schemas.openxmlformats.org/officeDocument/2006/relationships" xmlns:p="http://schemas.openxmlformats.org/presentationml/2006/main">
+  <p:cSld>
+    <p:spTree>
+      <p:nvGrpSpPr>
+        <p:cNvPr id="1" name=""/>
+        <p:cNvGrpSpPr/>
+        <p:nvPr/>
+      </p:nvGrpSpPr>
+      <p:grpSpPr>
+        <a:xfrm>
+          <a:off x="0" y="0"/>
+          <a:ext cx="0" cy="0"/>
+          <a:chOff x="0" y="0"/>
+          <a:chExt cx="0" cy="0"/>
+        </a:xfrm>
+      </p:grpSpPr>
+      <p:sp>
+        <p:nvSpPr>
+          <p:cNvPr id="2" name="Title 1"/>
+          <p:cNvSpPr>
+            <a:spLocks noGrp="1"/>
+          </p:cNvSpPr>
+          <p:nvPr>
+            <p:ph type="title"/>
+          </p:nvPr>
+        </p:nvSpPr>
+        <p:spPr/>
+        <p:txBody>
+          <a:bodyPr/>
+          <a:lstStyle/>
+          <a:p>
+            <a:endParaRPr lang="en-US" dirty="0"/>
+          </a:p>
+        </p:txBody>
+      </p:sp>
+      <p:sp>
+        <p:nvSpPr>
+          <p:cNvPr id="3" name="Content Placeholder 2"/>
+          <p:cNvSpPr>
+            <a:spLocks noGrp="1"/>
+          </p:cNvSpPr>
+          <p:nvPr>
+            <p:ph idx="1"/>
+          </p:nvPr>
+        </p:nvSpPr>
+        <p:spPr/>
+        <p:txBody>
+          <a:bodyPr/>
+          <a:lstStyle/>
+          <a:p>
+            <a:endParaRPr lang="en-US" dirty="0"/>
+          </a:p>
+        </p:txBody>
+      </p:sp>
+    </p:spTree>
   </p:cSld>
   <p:clrMapOvr>
     <a:masterClrMapping/>
@@ -6736,7 +7073,7 @@
     </p:spTree>
     <p:extLst>
       <p:ext uri="{BB962C8B-B14F-4D97-AF65-F5344CB8AC3E}">
-        <p14:creationId xmlns:p14="http://schemas.microsoft.com/office/powerpoint/2010/main" val="3236839146"/>
+        <p14:creationId xmlns:p14="http://schemas.microsoft.com/office/powerpoint/2010/main" xmlns="" val="3236839146"/>
       </p:ext>
     </p:extLst>
   </p:cSld>
@@ -6813,7 +7150,7 @@
     </p:spTree>
     <p:extLst>
       <p:ext uri="{BB962C8B-B14F-4D97-AF65-F5344CB8AC3E}">
-        <p14:creationId xmlns:p14="http://schemas.microsoft.com/office/powerpoint/2010/main" val="3417534648"/>
+        <p14:creationId xmlns:p14="http://schemas.microsoft.com/office/powerpoint/2010/main" xmlns="" val="3417534648"/>
       </p:ext>
     </p:extLst>
   </p:cSld>
@@ -6916,7 +7253,7 @@
           <a:blip r:embed="rId2">
             <a:extLst>
               <a:ext uri="{28A0092B-C50C-407E-A947-70E740481C1C}">
-                <a14:useLocalDpi xmlns:a14="http://schemas.microsoft.com/office/drawing/2010/main" val="0"/>
+                <a14:useLocalDpi xmlns:a14="http://schemas.microsoft.com/office/drawing/2010/main" xmlns="" val="0"/>
               </a:ext>
             </a:extLst>
           </a:blip>
@@ -6937,7 +7274,7 @@
     </p:spTree>
     <p:extLst>
       <p:ext uri="{BB962C8B-B14F-4D97-AF65-F5344CB8AC3E}">
-        <p14:creationId xmlns:p14="http://schemas.microsoft.com/office/powerpoint/2010/main" val="988247640"/>
+        <p14:creationId xmlns:p14="http://schemas.microsoft.com/office/powerpoint/2010/main" xmlns="" val="988247640"/>
       </p:ext>
     </p:extLst>
   </p:cSld>
@@ -7085,7 +7422,7 @@
     </p:spTree>
     <p:extLst>
       <p:ext uri="{BB962C8B-B14F-4D97-AF65-F5344CB8AC3E}">
-        <p14:creationId xmlns:p14="http://schemas.microsoft.com/office/powerpoint/2010/main" val="693454218"/>
+        <p14:creationId xmlns:p14="http://schemas.microsoft.com/office/powerpoint/2010/main" xmlns="" val="693454218"/>
       </p:ext>
     </p:extLst>
   </p:cSld>
@@ -7126,7 +7463,7 @@
           <a:blip r:embed="rId2">
             <a:extLst>
               <a:ext uri="{28A0092B-C50C-407E-A947-70E740481C1C}">
-                <a14:useLocalDpi xmlns:a14="http://schemas.microsoft.com/office/drawing/2010/main" val="0"/>
+                <a14:useLocalDpi xmlns:a14="http://schemas.microsoft.com/office/drawing/2010/main" xmlns="" val="0"/>
               </a:ext>
             </a:extLst>
           </a:blip>
@@ -7147,7 +7484,7 @@
     </p:spTree>
     <p:extLst>
       <p:ext uri="{BB962C8B-B14F-4D97-AF65-F5344CB8AC3E}">
-        <p14:creationId xmlns:p14="http://schemas.microsoft.com/office/powerpoint/2010/main" val="3488385146"/>
+        <p14:creationId xmlns:p14="http://schemas.microsoft.com/office/powerpoint/2010/main" xmlns="" val="3488385146"/>
       </p:ext>
     </p:extLst>
   </p:cSld>
@@ -7278,7 +7615,7 @@
     </p:spTree>
     <p:extLst>
       <p:ext uri="{BB962C8B-B14F-4D97-AF65-F5344CB8AC3E}">
-        <p14:creationId xmlns:p14="http://schemas.microsoft.com/office/powerpoint/2010/main" val="2756461167"/>
+        <p14:creationId xmlns:p14="http://schemas.microsoft.com/office/powerpoint/2010/main" xmlns="" val="2756461167"/>
       </p:ext>
     </p:extLst>
   </p:cSld>
@@ -7319,7 +7656,7 @@
           <a:blip r:embed="rId2">
             <a:extLst>
               <a:ext uri="{28A0092B-C50C-407E-A947-70E740481C1C}">
-                <a14:useLocalDpi xmlns:a14="http://schemas.microsoft.com/office/drawing/2010/main" val="0"/>
+                <a14:useLocalDpi xmlns:a14="http://schemas.microsoft.com/office/drawing/2010/main" xmlns="" val="0"/>
               </a:ext>
             </a:extLst>
           </a:blip>
@@ -7337,7 +7674,7 @@
     </p:spTree>
     <p:extLst>
       <p:ext uri="{BB962C8B-B14F-4D97-AF65-F5344CB8AC3E}">
-        <p14:creationId xmlns:p14="http://schemas.microsoft.com/office/powerpoint/2010/main" val="3247560666"/>
+        <p14:creationId xmlns:p14="http://schemas.microsoft.com/office/powerpoint/2010/main" xmlns="" val="3247560666"/>
       </p:ext>
     </p:extLst>
   </p:cSld>
@@ -7488,7 +7825,7 @@
     </p:spTree>
     <p:extLst>
       <p:ext uri="{BB962C8B-B14F-4D97-AF65-F5344CB8AC3E}">
-        <p14:creationId xmlns:p14="http://schemas.microsoft.com/office/powerpoint/2010/main" val="3334202828"/>
+        <p14:creationId xmlns:p14="http://schemas.microsoft.com/office/powerpoint/2010/main" xmlns="" val="3334202828"/>
       </p:ext>
     </p:extLst>
   </p:cSld>
@@ -7541,7 +7878,7 @@
     </a:clrScheme>
     <a:fontScheme name="Ion">
       <a:majorFont>
-        <a:latin typeface="Century Gothic" panose="020B0502020202020204"/>
+        <a:latin typeface="Century Gothic"/>
         <a:ea typeface=""/>
         <a:cs typeface=""/>
         <a:font script="Jpan" typeface="メイリオ"/>
@@ -7576,7 +7913,7 @@
         <a:font script="Geor" typeface="Sylfaen"/>
       </a:majorFont>
       <a:minorFont>
-        <a:latin typeface="Century Gothic" panose="020B0502020202020204"/>
+        <a:latin typeface="Century Gothic"/>
         <a:ea typeface=""/>
         <a:cs typeface=""/>
         <a:font script="Jpan" typeface="メイリオ"/>
@@ -7758,7 +8095,7 @@
   <a:extraClrSchemeLst/>
   <a:extLst>
     <a:ext uri="{05A4C25C-085E-4340-85A3-A5531E510DB2}">
-      <thm15:themeFamily xmlns:thm15="http://schemas.microsoft.com/office/thememl/2012/main" name="Ion" id="{B8441ADB-2E43-4AF7-B97A-BD870242C6A8}" vid="{292E63A9-BB86-4E3D-B92A-7223C6510D2E}"/>
+      <thm15:themeFamily xmlns:thm15="http://schemas.microsoft.com/office/thememl/2012/main" xmlns="" name="Ion" id="{B8441ADB-2E43-4AF7-B97A-BD870242C6A8}" vid="{292E63A9-BB86-4E3D-B92A-7223C6510D2E}"/>
     </a:ext>
   </a:extLst>
 </a:theme>
